--- a/2022_0424_deephack_pitch_slides.pptx
+++ b/2022_0424_deephack_pitch_slides.pptx
@@ -1702,7 +1702,14 @@
           <a:p>
             <a:r>
               <a:rPr lang="en-US" sz="4800" dirty="0"/>
-              <a:t>Real-time control of shipping based on local weather forecast</a:t>
+              <a:t>Real-time control of shipping </a:t>
+            </a:r>
+            <a:br>
+              <a:rPr lang="en-US" sz="4800" dirty="0"/>
+            </a:br>
+            <a:r>
+              <a:rPr lang="en-US" sz="4800" dirty="0"/>
+              <a:t>based on local weather forecast</a:t>
             </a:r>
             <a:endParaRPr lang="de-DE" sz="4800" dirty="0"/>
           </a:p>
@@ -1743,13 +1750,13 @@
             </a:r>
             <a:r>
               <a:rPr lang="de-DE" dirty="0"/>
-              <a:t>, April 22-24, 2022 – Team 8</a:t>
-            </a:r>
-          </a:p>
-          <a:p>
-            <a:r>
-              <a:rPr lang="de-DE" dirty="0"/>
-              <a:t>Ralf Habermehl, Karim Sedki, Amin E. </a:t>
+              <a:t>, April 22-24, 2022, Team 8</a:t>
+            </a:r>
+          </a:p>
+          <a:p>
+            <a:r>
+              <a:rPr lang="de-DE" dirty="0"/>
+              <a:t>Ralf Habermehl, Karim Sedki, Amin Ebrahim </a:t>
             </a:r>
             <a:r>
               <a:rPr lang="de-DE" dirty="0" err="1"/>
@@ -1757,7 +1764,14 @@
             </a:r>
             <a:r>
               <a:rPr lang="de-DE" dirty="0"/>
-              <a:t>, Martha </a:t>
+              <a:t>, </a:t>
+            </a:r>
+            <a:br>
+              <a:rPr lang="de-DE" dirty="0"/>
+            </a:br>
+            <a:r>
+              <a:rPr lang="de-DE" dirty="0"/>
+              <a:t>Martha </a:t>
             </a:r>
             <a:r>
               <a:rPr lang="de-DE" dirty="0" err="1"/>
@@ -1765,7 +1779,7 @@
             </a:r>
             <a:r>
               <a:rPr lang="de-DE" dirty="0"/>
-              <a:t>, … </a:t>
+              <a:t>, Milad </a:t>
             </a:r>
             <a:r>
               <a:rPr lang="de-DE" dirty="0" err="1"/>
@@ -1775,6 +1789,252 @@
           </a:p>
         </p:txBody>
       </p:sp>
+      <p:pic>
+        <p:nvPicPr>
+          <p:cNvPr id="9" name="Grafik 8">
+            <a:extLst>
+              <a:ext uri="{FF2B5EF4-FFF2-40B4-BE49-F238E27FC236}">
+                <a16:creationId xmlns:a16="http://schemas.microsoft.com/office/drawing/2014/main" id="{A0FFF4E1-7796-441D-8BBB-9FD423DE3E13}"/>
+              </a:ext>
+            </a:extLst>
+          </p:cNvPr>
+          <p:cNvPicPr>
+            <a:picLocks noChangeAspect="1"/>
+          </p:cNvPicPr>
+          <p:nvPr/>
+        </p:nvPicPr>
+        <p:blipFill>
+          <a:blip r:embed="rId2"/>
+          <a:stretch>
+            <a:fillRect/>
+          </a:stretch>
+        </p:blipFill>
+        <p:spPr>
+          <a:xfrm>
+            <a:off x="10537638" y="754056"/>
+            <a:ext cx="1171321" cy="813148"/>
+          </a:xfrm>
+          <a:prstGeom prst="rect">
+            <a:avLst/>
+          </a:prstGeom>
+        </p:spPr>
+      </p:pic>
+      <p:pic>
+        <p:nvPicPr>
+          <p:cNvPr id="16" name="Grafik 15">
+            <a:extLst>
+              <a:ext uri="{FF2B5EF4-FFF2-40B4-BE49-F238E27FC236}">
+                <a16:creationId xmlns:a16="http://schemas.microsoft.com/office/drawing/2014/main" id="{4BC794A1-139E-48BC-B08D-F986EC3F9562}"/>
+              </a:ext>
+            </a:extLst>
+          </p:cNvPr>
+          <p:cNvPicPr>
+            <a:picLocks noChangeAspect="1"/>
+          </p:cNvPicPr>
+          <p:nvPr/>
+        </p:nvPicPr>
+        <p:blipFill>
+          <a:blip r:embed="rId3">
+            <a:alphaModFix amt="70000"/>
+          </a:blip>
+          <a:stretch>
+            <a:fillRect/>
+          </a:stretch>
+        </p:blipFill>
+        <p:spPr>
+          <a:xfrm rot="397380">
+            <a:off x="4061161" y="1203498"/>
+            <a:ext cx="6899505" cy="1156383"/>
+          </a:xfrm>
+          <a:prstGeom prst="rect">
+            <a:avLst/>
+          </a:prstGeom>
+        </p:spPr>
+      </p:pic>
+      <p:pic>
+        <p:nvPicPr>
+          <p:cNvPr id="12" name="Grafik 11">
+            <a:extLst>
+              <a:ext uri="{FF2B5EF4-FFF2-40B4-BE49-F238E27FC236}">
+                <a16:creationId xmlns:a16="http://schemas.microsoft.com/office/drawing/2014/main" id="{BF1F57CF-C7AC-4589-BF90-DED8FFFD24E9}"/>
+              </a:ext>
+            </a:extLst>
+          </p:cNvPr>
+          <p:cNvPicPr>
+            <a:picLocks noChangeAspect="1"/>
+          </p:cNvPicPr>
+          <p:nvPr/>
+        </p:nvPicPr>
+        <p:blipFill>
+          <a:blip r:embed="rId4"/>
+          <a:stretch>
+            <a:fillRect/>
+          </a:stretch>
+        </p:blipFill>
+        <p:spPr>
+          <a:xfrm rot="21391340" flipH="1">
+            <a:off x="8952700" y="1381688"/>
+            <a:ext cx="783636" cy="399957"/>
+          </a:xfrm>
+          <a:prstGeom prst="rect">
+            <a:avLst/>
+          </a:prstGeom>
+        </p:spPr>
+      </p:pic>
+      <p:pic>
+        <p:nvPicPr>
+          <p:cNvPr id="14" name="Grafik 13">
+            <a:extLst>
+              <a:ext uri="{FF2B5EF4-FFF2-40B4-BE49-F238E27FC236}">
+                <a16:creationId xmlns:a16="http://schemas.microsoft.com/office/drawing/2014/main" id="{4EBA29C7-8255-496C-BF30-7362DF6B007B}"/>
+              </a:ext>
+            </a:extLst>
+          </p:cNvPr>
+          <p:cNvPicPr>
+            <a:picLocks noChangeAspect="1"/>
+          </p:cNvPicPr>
+          <p:nvPr/>
+        </p:nvPicPr>
+        <p:blipFill>
+          <a:blip r:embed="rId5">
+            <a:alphaModFix amt="70000"/>
+          </a:blip>
+          <a:stretch>
+            <a:fillRect/>
+          </a:stretch>
+        </p:blipFill>
+        <p:spPr>
+          <a:xfrm rot="1216772">
+            <a:off x="6131663" y="849120"/>
+            <a:ext cx="476972" cy="291093"/>
+          </a:xfrm>
+          <a:prstGeom prst="rect">
+            <a:avLst/>
+          </a:prstGeom>
+        </p:spPr>
+      </p:pic>
+      <p:pic>
+        <p:nvPicPr>
+          <p:cNvPr id="18" name="Grafik 17">
+            <a:extLst>
+              <a:ext uri="{FF2B5EF4-FFF2-40B4-BE49-F238E27FC236}">
+                <a16:creationId xmlns:a16="http://schemas.microsoft.com/office/drawing/2014/main" id="{95E6FD2F-021F-4EBC-825B-07494186E06F}"/>
+              </a:ext>
+            </a:extLst>
+          </p:cNvPr>
+          <p:cNvPicPr>
+            <a:picLocks noChangeAspect="1"/>
+          </p:cNvPicPr>
+          <p:nvPr/>
+        </p:nvPicPr>
+        <p:blipFill>
+          <a:blip r:embed="rId6"/>
+          <a:stretch>
+            <a:fillRect/>
+          </a:stretch>
+        </p:blipFill>
+        <p:spPr>
+          <a:xfrm>
+            <a:off x="6913182" y="529106"/>
+            <a:ext cx="1188793" cy="481412"/>
+          </a:xfrm>
+          <a:prstGeom prst="rect">
+            <a:avLst/>
+          </a:prstGeom>
+        </p:spPr>
+      </p:pic>
+      <p:pic>
+        <p:nvPicPr>
+          <p:cNvPr id="24" name="Grafik 23">
+            <a:extLst>
+              <a:ext uri="{FF2B5EF4-FFF2-40B4-BE49-F238E27FC236}">
+                <a16:creationId xmlns:a16="http://schemas.microsoft.com/office/drawing/2014/main" id="{BEAE836B-5C9B-4E57-A943-29E012585DC6}"/>
+              </a:ext>
+            </a:extLst>
+          </p:cNvPr>
+          <p:cNvPicPr>
+            <a:picLocks noChangeAspect="1"/>
+          </p:cNvPicPr>
+          <p:nvPr/>
+        </p:nvPicPr>
+        <p:blipFill>
+          <a:blip r:embed="rId7"/>
+          <a:stretch>
+            <a:fillRect/>
+          </a:stretch>
+        </p:blipFill>
+        <p:spPr>
+          <a:xfrm rot="21080245">
+            <a:off x="9493716" y="1244466"/>
+            <a:ext cx="1190476" cy="990476"/>
+          </a:xfrm>
+          <a:prstGeom prst="rect">
+            <a:avLst/>
+          </a:prstGeom>
+        </p:spPr>
+      </p:pic>
+      <p:pic>
+        <p:nvPicPr>
+          <p:cNvPr id="25" name="Grafik 24">
+            <a:extLst>
+              <a:ext uri="{FF2B5EF4-FFF2-40B4-BE49-F238E27FC236}">
+                <a16:creationId xmlns:a16="http://schemas.microsoft.com/office/drawing/2014/main" id="{90046F17-9EDA-4336-ABFC-3BD7A1CFE326}"/>
+              </a:ext>
+            </a:extLst>
+          </p:cNvPr>
+          <p:cNvPicPr>
+            <a:picLocks noChangeAspect="1"/>
+          </p:cNvPicPr>
+          <p:nvPr/>
+        </p:nvPicPr>
+        <p:blipFill>
+          <a:blip r:embed="rId4">
+            <a:alphaModFix amt="35000"/>
+          </a:blip>
+          <a:stretch>
+            <a:fillRect/>
+          </a:stretch>
+        </p:blipFill>
+        <p:spPr>
+          <a:xfrm rot="571610" flipH="1">
+            <a:off x="5302877" y="710627"/>
+            <a:ext cx="504522" cy="257501"/>
+          </a:xfrm>
+          <a:prstGeom prst="rect">
+            <a:avLst/>
+          </a:prstGeom>
+        </p:spPr>
+      </p:pic>
+      <p:pic>
+        <p:nvPicPr>
+          <p:cNvPr id="26" name="Grafik 25">
+            <a:extLst>
+              <a:ext uri="{FF2B5EF4-FFF2-40B4-BE49-F238E27FC236}">
+                <a16:creationId xmlns:a16="http://schemas.microsoft.com/office/drawing/2014/main" id="{63B46B1D-5C0E-49F1-A82A-B277C2CFD0D8}"/>
+              </a:ext>
+            </a:extLst>
+          </p:cNvPr>
+          <p:cNvPicPr>
+            <a:picLocks noChangeAspect="1"/>
+          </p:cNvPicPr>
+          <p:nvPr/>
+        </p:nvPicPr>
+        <p:blipFill>
+          <a:blip r:embed="rId5"/>
+          <a:stretch>
+            <a:fillRect/>
+          </a:stretch>
+        </p:blipFill>
+        <p:spPr>
+          <a:xfrm rot="21181457">
+            <a:off x="8398644" y="1513327"/>
+            <a:ext cx="546886" cy="333761"/>
+          </a:xfrm>
+          <a:prstGeom prst="rect">
+            <a:avLst/>
+          </a:prstGeom>
+        </p:spPr>
+      </p:pic>
     </p:spTree>
     <p:extLst>
       <p:ext uri="{BB962C8B-B14F-4D97-AF65-F5344CB8AC3E}">
@@ -1827,14 +2087,13 @@
           <a:lstStyle/>
           <a:p>
             <a:r>
-              <a:rPr lang="de-DE" dirty="0"/>
-              <a:t>Overall </a:t>
-            </a:r>
-            <a:r>
-              <a:rPr lang="de-DE" dirty="0" err="1"/>
-              <a:t>Structure</a:t>
-            </a:r>
-            <a:endParaRPr lang="de-DE" dirty="0"/>
+              <a:rPr lang="de-DE" dirty="0" err="1"/>
+              <a:t>Idea</a:t>
+            </a:r>
+            <a:r>
+              <a:rPr lang="de-DE" dirty="0"/>
+              <a:t> and Setup</a:t>
+            </a:r>
           </a:p>
         </p:txBody>
       </p:sp>
@@ -1859,10 +2118,175 @@
           <a:bodyPr/>
           <a:lstStyle/>
           <a:p>
-            <a:endParaRPr lang="de-DE"/>
+            <a:r>
+              <a:rPr lang="de-DE" dirty="0"/>
+              <a:t>OAK-</a:t>
+            </a:r>
+            <a:r>
+              <a:rPr lang="de-DE" dirty="0" err="1"/>
+              <a:t>camera</a:t>
+            </a:r>
+            <a:r>
+              <a:rPr lang="de-DE" dirty="0"/>
+              <a:t> on </a:t>
+            </a:r>
+            <a:r>
+              <a:rPr lang="de-DE" dirty="0" err="1"/>
+              <a:t>supply-carrier</a:t>
+            </a:r>
+            <a:r>
+              <a:rPr lang="de-DE" dirty="0"/>
+              <a:t> </a:t>
+            </a:r>
+            <a:r>
+              <a:rPr lang="de-DE" dirty="0" err="1"/>
+              <a:t>for</a:t>
+            </a:r>
+            <a:r>
+              <a:rPr lang="de-DE" dirty="0"/>
+              <a:t> </a:t>
+            </a:r>
+            <a:r>
+              <a:rPr lang="de-DE" dirty="0" err="1"/>
+              <a:t>local</a:t>
+            </a:r>
+            <a:r>
+              <a:rPr lang="de-DE" dirty="0"/>
+              <a:t> live </a:t>
+            </a:r>
+            <a:r>
+              <a:rPr lang="de-DE" dirty="0" err="1"/>
+              <a:t>data</a:t>
+            </a:r>
+            <a:endParaRPr lang="de-DE" dirty="0"/>
+          </a:p>
+          <a:p>
+            <a:r>
+              <a:rPr lang="de-DE" dirty="0"/>
+              <a:t>ANN </a:t>
+            </a:r>
+            <a:r>
+              <a:rPr lang="de-DE" dirty="0" err="1"/>
+              <a:t>for</a:t>
+            </a:r>
+            <a:r>
+              <a:rPr lang="de-DE" dirty="0"/>
+              <a:t> extreme </a:t>
+            </a:r>
+            <a:r>
+              <a:rPr lang="de-DE" dirty="0" err="1"/>
+              <a:t>weather</a:t>
+            </a:r>
+            <a:r>
+              <a:rPr lang="de-DE" dirty="0"/>
+              <a:t> </a:t>
+            </a:r>
+            <a:r>
+              <a:rPr lang="de-DE" dirty="0" err="1"/>
+              <a:t>prediction</a:t>
+            </a:r>
+            <a:endParaRPr lang="de-DE" dirty="0"/>
+          </a:p>
+          <a:p>
+            <a:r>
+              <a:rPr lang="de-DE" dirty="0"/>
+              <a:t>Route-</a:t>
+            </a:r>
+            <a:r>
+              <a:rPr lang="de-DE" dirty="0" err="1"/>
+              <a:t>finding</a:t>
+            </a:r>
+            <a:r>
+              <a:rPr lang="de-DE" dirty="0"/>
+              <a:t> </a:t>
+            </a:r>
+            <a:r>
+              <a:rPr lang="de-DE" dirty="0" err="1"/>
+              <a:t>algorithm</a:t>
+            </a:r>
+            <a:r>
+              <a:rPr lang="de-DE" dirty="0"/>
+              <a:t> </a:t>
+            </a:r>
+            <a:r>
+              <a:rPr lang="de-DE" dirty="0" err="1"/>
+              <a:t>considering</a:t>
+            </a:r>
+            <a:r>
+              <a:rPr lang="de-DE" dirty="0"/>
+              <a:t> extreme </a:t>
+            </a:r>
+            <a:r>
+              <a:rPr lang="de-DE" dirty="0" err="1"/>
+              <a:t>weather</a:t>
+            </a:r>
+            <a:endParaRPr lang="de-DE" dirty="0"/>
+          </a:p>
+          <a:p>
+            <a:r>
+              <a:rPr lang="de-DE" dirty="0" err="1"/>
+              <a:t>Suggestions</a:t>
+            </a:r>
+            <a:r>
+              <a:rPr lang="de-DE" dirty="0"/>
+              <a:t> </a:t>
+            </a:r>
+            <a:r>
+              <a:rPr lang="de-DE" dirty="0" err="1"/>
+              <a:t>for</a:t>
+            </a:r>
+            <a:r>
+              <a:rPr lang="de-DE" dirty="0"/>
+              <a:t> </a:t>
+            </a:r>
+            <a:r>
+              <a:rPr lang="de-DE" dirty="0" err="1"/>
+              <a:t>unaffected</a:t>
+            </a:r>
+            <a:r>
+              <a:rPr lang="de-DE" dirty="0"/>
+              <a:t> </a:t>
+            </a:r>
+            <a:r>
+              <a:rPr lang="de-DE" dirty="0" err="1"/>
+              <a:t>routes</a:t>
+            </a:r>
+            <a:endParaRPr lang="de-DE" dirty="0"/>
+          </a:p>
+          <a:p>
+            <a:endParaRPr lang="de-DE" dirty="0"/>
           </a:p>
         </p:txBody>
       </p:sp>
+      <p:pic>
+        <p:nvPicPr>
+          <p:cNvPr id="5" name="Grafik 4">
+            <a:extLst>
+              <a:ext uri="{FF2B5EF4-FFF2-40B4-BE49-F238E27FC236}">
+                <a16:creationId xmlns:a16="http://schemas.microsoft.com/office/drawing/2014/main" id="{CED5762C-F5D7-4FAB-8A78-049FE477DD48}"/>
+              </a:ext>
+            </a:extLst>
+          </p:cNvPr>
+          <p:cNvPicPr>
+            <a:picLocks noChangeAspect="1"/>
+          </p:cNvPicPr>
+          <p:nvPr/>
+        </p:nvPicPr>
+        <p:blipFill rotWithShape="1">
+          <a:blip r:embed="rId2"/>
+          <a:srcRect r="7296" b="27799"/>
+          <a:stretch/>
+        </p:blipFill>
+        <p:spPr>
+          <a:xfrm>
+            <a:off x="7363326" y="3433010"/>
+            <a:ext cx="4493712" cy="2624889"/>
+          </a:xfrm>
+          <a:prstGeom prst="rect">
+            <a:avLst/>
+          </a:prstGeom>
+        </p:spPr>
+      </p:pic>
     </p:spTree>
     <p:extLst>
       <p:ext uri="{BB962C8B-B14F-4D97-AF65-F5344CB8AC3E}">
@@ -2457,7 +2881,165 @@
           <a:bodyPr/>
           <a:lstStyle/>
           <a:p>
-            <a:endParaRPr lang="de-DE"/>
+            <a:r>
+              <a:rPr lang="de-DE" dirty="0" err="1"/>
+              <a:t>Artificial</a:t>
+            </a:r>
+            <a:r>
+              <a:rPr lang="de-DE" dirty="0"/>
+              <a:t> </a:t>
+            </a:r>
+            <a:r>
+              <a:rPr lang="de-DE" dirty="0" err="1"/>
+              <a:t>Neural</a:t>
+            </a:r>
+            <a:r>
+              <a:rPr lang="de-DE" dirty="0"/>
+              <a:t> Network</a:t>
+            </a:r>
+          </a:p>
+          <a:p>
+            <a:r>
+              <a:rPr lang="de-DE" dirty="0" err="1"/>
+              <a:t>Trained</a:t>
+            </a:r>
+            <a:r>
+              <a:rPr lang="de-DE" dirty="0"/>
+              <a:t> </a:t>
+            </a:r>
+            <a:r>
+              <a:rPr lang="de-DE" dirty="0" err="1"/>
+              <a:t>with</a:t>
+            </a:r>
+            <a:r>
+              <a:rPr lang="de-DE" dirty="0"/>
+              <a:t> </a:t>
+            </a:r>
+            <a:r>
+              <a:rPr lang="de-DE" dirty="0" err="1"/>
+              <a:t>data</a:t>
+            </a:r>
+            <a:r>
+              <a:rPr lang="de-DE" dirty="0"/>
+              <a:t> </a:t>
+            </a:r>
+            <a:r>
+              <a:rPr lang="de-DE" dirty="0" err="1"/>
+              <a:t>from</a:t>
+            </a:r>
+            <a:r>
+              <a:rPr lang="de-DE" dirty="0"/>
+              <a:t> </a:t>
+            </a:r>
+            <a:r>
+              <a:rPr lang="de-DE" dirty="0" err="1"/>
+              <a:t>german</a:t>
+            </a:r>
+            <a:r>
+              <a:rPr lang="de-DE" dirty="0"/>
+              <a:t> </a:t>
+            </a:r>
+            <a:r>
+              <a:rPr lang="de-DE" dirty="0" err="1"/>
+              <a:t>weather</a:t>
+            </a:r>
+            <a:r>
+              <a:rPr lang="de-DE" dirty="0"/>
+              <a:t> </a:t>
+            </a:r>
+            <a:r>
+              <a:rPr lang="de-DE" dirty="0" err="1"/>
+              <a:t>association</a:t>
+            </a:r>
+            <a:r>
+              <a:rPr lang="de-DE" dirty="0"/>
+              <a:t> (DWD)</a:t>
+            </a:r>
+          </a:p>
+          <a:p>
+            <a:pPr lvl="1"/>
+            <a:r>
+              <a:rPr lang="de-DE" dirty="0"/>
+              <a:t>Time Series </a:t>
+            </a:r>
+            <a:r>
+              <a:rPr lang="de-DE" dirty="0" err="1"/>
+              <a:t>over</a:t>
+            </a:r>
+            <a:r>
+              <a:rPr lang="de-DE" dirty="0"/>
+              <a:t> 10 </a:t>
+            </a:r>
+            <a:r>
+              <a:rPr lang="de-DE" dirty="0" err="1"/>
+              <a:t>years</a:t>
+            </a:r>
+            <a:r>
+              <a:rPr lang="de-DE" dirty="0"/>
+              <a:t> </a:t>
+            </a:r>
+            <a:r>
+              <a:rPr lang="de-DE" dirty="0" err="1"/>
+              <a:t>with</a:t>
+            </a:r>
+            <a:r>
+              <a:rPr lang="de-DE" dirty="0"/>
+              <a:t> 10-Minute-Resolution</a:t>
+            </a:r>
+          </a:p>
+          <a:p>
+            <a:pPr lvl="1"/>
+            <a:r>
+              <a:rPr lang="de-DE" dirty="0"/>
+              <a:t>Rain, </a:t>
+            </a:r>
+            <a:r>
+              <a:rPr lang="de-DE" dirty="0" err="1"/>
+              <a:t>Pressure</a:t>
+            </a:r>
+            <a:r>
+              <a:rPr lang="de-DE" dirty="0"/>
+              <a:t>, </a:t>
+            </a:r>
+            <a:r>
+              <a:rPr lang="de-DE" dirty="0" err="1"/>
+              <a:t>Temperature</a:t>
+            </a:r>
+            <a:r>
+              <a:rPr lang="de-DE" dirty="0"/>
+              <a:t>, </a:t>
+            </a:r>
+          </a:p>
+          <a:p>
+            <a:r>
+              <a:rPr lang="de-DE" dirty="0" err="1"/>
+              <a:t>Prediction</a:t>
+            </a:r>
+            <a:r>
+              <a:rPr lang="de-DE" dirty="0"/>
+              <a:t> </a:t>
+            </a:r>
+            <a:r>
+              <a:rPr lang="de-DE" dirty="0" err="1"/>
+              <a:t>for</a:t>
+            </a:r>
+            <a:r>
+              <a:rPr lang="de-DE" dirty="0"/>
+              <a:t> </a:t>
+            </a:r>
+            <a:r>
+              <a:rPr lang="de-DE" dirty="0" err="1"/>
+              <a:t>upcoming</a:t>
+            </a:r>
+            <a:r>
+              <a:rPr lang="de-DE" dirty="0"/>
+              <a:t> </a:t>
+            </a:r>
+            <a:r>
+              <a:rPr lang="de-DE" dirty="0" err="1"/>
+              <a:t>hour</a:t>
+            </a:r>
+            <a:endParaRPr lang="de-DE" dirty="0"/>
           </a:p>
         </p:txBody>
       </p:sp>
